--- a/slide_0527/20190527_urita_eng.pptx
+++ b/slide_0527/20190527_urita_eng.pptx
@@ -308,7 +308,7 @@
           <a:p>
             <a:fld id="{5BFE5EFA-B9A8-44EF-B11E-ECCCBFFE5A6D}" type="datetimeFigureOut">
               <a:rPr kumimoji="1" lang="ja-JP" altLang="en-US" smtClean="0"/>
-              <a:t>2019/5/27</a:t>
+              <a:t>2019/6/10</a:t>
             </a:fld>
             <a:endParaRPr kumimoji="1" lang="ja-JP" altLang="en-US"/>
           </a:p>
@@ -5478,8 +5478,8 @@
           </p:txBody>
         </p:sp>
       </p:grpSp>
-      <mc:AlternateContent xmlns:mc="http://schemas.openxmlformats.org/markup-compatibility/2006">
-        <mc:Choice xmlns:a14="http://schemas.microsoft.com/office/drawing/2010/main" Requires="a14">
+      <mc:AlternateContent xmlns:mc="http://schemas.openxmlformats.org/markup-compatibility/2006" xmlns:a14="http://schemas.microsoft.com/office/drawing/2010/main">
+        <mc:Choice Requires="a14">
           <p:sp>
             <p:nvSpPr>
               <p:cNvPr id="13" name="テキスト ボックス 12"/>
@@ -5801,7 +5801,7 @@
             </p:txBody>
           </p:sp>
         </mc:Choice>
-        <mc:Fallback>
+        <mc:Fallback xmlns="">
           <p:sp>
             <p:nvSpPr>
               <p:cNvPr id="13" name="テキスト ボックス 12"/>
@@ -6327,8 +6327,8 @@
           </a:p>
         </p:txBody>
       </p:sp>
-      <mc:AlternateContent xmlns:mc="http://schemas.openxmlformats.org/markup-compatibility/2006">
-        <mc:Choice xmlns:a14="http://schemas.microsoft.com/office/drawing/2010/main" Requires="a14">
+      <mc:AlternateContent xmlns:mc="http://schemas.openxmlformats.org/markup-compatibility/2006" xmlns:a14="http://schemas.microsoft.com/office/drawing/2010/main">
+        <mc:Choice Requires="a14">
           <p:sp>
             <p:nvSpPr>
               <p:cNvPr id="13" name="テキスト ボックス 12"/>
@@ -6504,7 +6504,7 @@
             </p:txBody>
           </p:sp>
         </mc:Choice>
-        <mc:Fallback>
+        <mc:Fallback xmlns="">
           <p:sp>
             <p:nvSpPr>
               <p:cNvPr id="13" name="テキスト ボックス 12"/>
@@ -26330,11 +26330,7 @@
             </a:r>
             <a:r>
               <a:rPr kumimoji="1" lang="ja-JP" altLang="en-US" dirty="0" smtClean="0"/>
-              <a:t>個のモデル</a:t>
-            </a:r>
-            <a:r>
-              <a:rPr kumimoji="1" lang="ja-JP" altLang="en-US" dirty="0" smtClean="0"/>
-              <a:t>を</a:t>
+              <a:t>個のモデルを</a:t>
             </a:r>
             <a:r>
               <a:rPr lang="en-US" altLang="ja-JP" dirty="0" smtClean="0"/>
@@ -26412,9 +26408,9 @@
         <p:grpSpPr>
           <a:xfrm>
             <a:off x="548640" y="3063028"/>
-            <a:ext cx="6872884" cy="3571581"/>
+            <a:ext cx="6872884" cy="3660047"/>
             <a:chOff x="548640" y="3063028"/>
-            <a:chExt cx="6872884" cy="3571581"/>
+            <a:chExt cx="6872884" cy="3660047"/>
           </a:xfrm>
         </p:grpSpPr>
         <p:sp>
@@ -26833,13 +26829,14 @@
             <p:cNvPr id="19" name="直線矢印コネクタ 18"/>
             <p:cNvCxnSpPr>
               <a:stCxn id="14" idx="2"/>
+              <a:endCxn id="23" idx="0"/>
             </p:cNvCxnSpPr>
             <p:nvPr/>
           </p:nvCxnSpPr>
           <p:spPr>
             <a:xfrm>
               <a:off x="4063510" y="5816946"/>
-              <a:ext cx="1" cy="817663"/>
+              <a:ext cx="0" cy="444464"/>
             </a:xfrm>
             <a:prstGeom prst="straightConnector1">
               <a:avLst/>
@@ -27044,7 +27041,7 @@
           </p:nvSpPr>
           <p:spPr>
             <a:xfrm>
-              <a:off x="3374193" y="5915508"/>
+              <a:off x="3374193" y="6261410"/>
               <a:ext cx="1378634" cy="461665"/>
             </a:xfrm>
             <a:prstGeom prst="rect">
@@ -27475,11 +27472,7 @@
             </a:r>
             <a:r>
               <a:rPr kumimoji="1" lang="ja-JP" altLang="en-US" dirty="0" smtClean="0"/>
-              <a:t>個のモデル</a:t>
-            </a:r>
-            <a:r>
-              <a:rPr kumimoji="1" lang="ja-JP" altLang="en-US" dirty="0" smtClean="0"/>
-              <a:t>を</a:t>
+              <a:t>個のモデルを</a:t>
             </a:r>
             <a:r>
               <a:rPr kumimoji="1" lang="en-US" altLang="ja-JP" dirty="0" smtClean="0"/>
@@ -27491,11 +27484,7 @@
             </a:r>
             <a:r>
               <a:rPr lang="ja-JP" altLang="en-US" dirty="0" smtClean="0"/>
-              <a:t>集約する</a:t>
-            </a:r>
-            <a:r>
-              <a:rPr lang="ja-JP" altLang="en-US" dirty="0" smtClean="0"/>
-              <a:t>．</a:t>
+              <a:t>集約する．</a:t>
             </a:r>
             <a:endParaRPr lang="en-US" altLang="ja-JP" dirty="0" smtClean="0"/>
           </a:p>
@@ -27728,7 +27717,7 @@
         </p:nvGrpSpPr>
         <p:grpSpPr>
           <a:xfrm>
-            <a:off x="1909152" y="3280058"/>
+            <a:off x="1909152" y="3498269"/>
             <a:ext cx="2455391" cy="492369"/>
             <a:chOff x="1959952" y="3372582"/>
             <a:chExt cx="2455391" cy="492369"/>
@@ -27976,7 +27965,7 @@
         </p:nvSpPr>
         <p:spPr>
           <a:xfrm>
-            <a:off x="747730" y="3264632"/>
+            <a:off x="747730" y="3482843"/>
             <a:ext cx="1101725" cy="523220"/>
           </a:xfrm>
           <a:prstGeom prst="rect">
@@ -28018,7 +28007,7 @@
         </p:nvSpPr>
         <p:spPr>
           <a:xfrm>
-            <a:off x="992016" y="2533103"/>
+            <a:off x="992016" y="2751314"/>
             <a:ext cx="615553" cy="759655"/>
           </a:xfrm>
           <a:prstGeom prst="rect">
@@ -28051,7 +28040,7 @@
         </p:nvGrpSpPr>
         <p:grpSpPr>
           <a:xfrm>
-            <a:off x="1909152" y="3974629"/>
+            <a:off x="1909152" y="4192840"/>
             <a:ext cx="2455391" cy="492369"/>
             <a:chOff x="1959952" y="3372582"/>
             <a:chExt cx="2455391" cy="492369"/>
@@ -28299,7 +28288,7 @@
         </p:nvSpPr>
         <p:spPr>
           <a:xfrm>
-            <a:off x="747730" y="3959203"/>
+            <a:off x="747730" y="4177414"/>
             <a:ext cx="1101725" cy="523220"/>
           </a:xfrm>
           <a:prstGeom prst="rect">
@@ -28337,7 +28326,7 @@
         </p:nvGrpSpPr>
         <p:grpSpPr>
           <a:xfrm>
-            <a:off x="1909152" y="4669200"/>
+            <a:off x="1909152" y="4887411"/>
             <a:ext cx="2455391" cy="492369"/>
             <a:chOff x="1959952" y="3372582"/>
             <a:chExt cx="2455391" cy="492369"/>
@@ -28585,7 +28574,7 @@
         </p:nvSpPr>
         <p:spPr>
           <a:xfrm>
-            <a:off x="747730" y="4653774"/>
+            <a:off x="747730" y="4871985"/>
             <a:ext cx="1101725" cy="523220"/>
           </a:xfrm>
           <a:prstGeom prst="rect">
@@ -28619,7 +28608,7 @@
         </p:nvGrpSpPr>
         <p:grpSpPr>
           <a:xfrm>
-            <a:off x="1909152" y="5363771"/>
+            <a:off x="1909152" y="5581982"/>
             <a:ext cx="2455391" cy="492369"/>
             <a:chOff x="1959952" y="3372582"/>
             <a:chExt cx="2455391" cy="492369"/>
@@ -28867,7 +28856,7 @@
         </p:nvSpPr>
         <p:spPr>
           <a:xfrm>
-            <a:off x="747730" y="5348345"/>
+            <a:off x="747730" y="5566556"/>
             <a:ext cx="1101725" cy="523220"/>
           </a:xfrm>
           <a:prstGeom prst="rect">
@@ -28909,7 +28898,7 @@
         </p:nvSpPr>
         <p:spPr>
           <a:xfrm>
-            <a:off x="992016" y="5814346"/>
+            <a:off x="992016" y="6032557"/>
             <a:ext cx="615553" cy="759655"/>
           </a:xfrm>
           <a:prstGeom prst="rect">
@@ -28942,7 +28931,7 @@
         </p:nvSpPr>
         <p:spPr>
           <a:xfrm>
-            <a:off x="4712646" y="3264632"/>
+            <a:off x="4712646" y="3482843"/>
             <a:ext cx="1599254" cy="523220"/>
           </a:xfrm>
           <a:prstGeom prst="rect">
@@ -29002,7 +28991,7 @@
         </p:nvSpPr>
         <p:spPr>
           <a:xfrm>
-            <a:off x="4712646" y="3959203"/>
+            <a:off x="4712646" y="4177414"/>
             <a:ext cx="1599254" cy="523220"/>
           </a:xfrm>
           <a:prstGeom prst="rect">
@@ -29062,7 +29051,7 @@
         </p:nvSpPr>
         <p:spPr>
           <a:xfrm>
-            <a:off x="4712646" y="4653774"/>
+            <a:off x="4712646" y="4871985"/>
             <a:ext cx="1599254" cy="523220"/>
           </a:xfrm>
           <a:prstGeom prst="rect">
@@ -29122,7 +29111,7 @@
         </p:nvSpPr>
         <p:spPr>
           <a:xfrm>
-            <a:off x="4712646" y="5348345"/>
+            <a:off x="4712646" y="5566556"/>
             <a:ext cx="1599254" cy="523220"/>
           </a:xfrm>
           <a:prstGeom prst="rect">
@@ -29171,6 +29160,81 @@
                 <a:schemeClr val="accent3"/>
               </a:solidFill>
             </a:endParaRPr>
+          </a:p>
+        </p:txBody>
+      </p:sp>
+      <p:sp>
+        <p:nvSpPr>
+          <p:cNvPr id="14" name="左中かっこ 13"/>
+          <p:cNvSpPr/>
+          <p:nvPr/>
+        </p:nvSpPr>
+        <p:spPr>
+          <a:xfrm rot="5400000">
+            <a:off x="2877074" y="1903445"/>
+            <a:ext cx="519546" cy="2455391"/>
+          </a:xfrm>
+          <a:prstGeom prst="leftBrace">
+            <a:avLst/>
+          </a:prstGeom>
+          <a:ln w="28575">
+            <a:solidFill>
+              <a:schemeClr val="tx1"/>
+            </a:solidFill>
+            <a:tailEnd type="none"/>
+          </a:ln>
+        </p:spPr>
+        <p:style>
+          <a:lnRef idx="1">
+            <a:schemeClr val="accent1"/>
+          </a:lnRef>
+          <a:fillRef idx="0">
+            <a:schemeClr val="accent1"/>
+          </a:fillRef>
+          <a:effectRef idx="0">
+            <a:schemeClr val="accent1"/>
+          </a:effectRef>
+          <a:fontRef idx="minor">
+            <a:schemeClr val="tx1"/>
+          </a:fontRef>
+        </p:style>
+        <p:txBody>
+          <a:bodyPr rtlCol="0" anchor="ctr"/>
+          <a:lstStyle/>
+          <a:p>
+            <a:pPr algn="ctr"/>
+            <a:endParaRPr kumimoji="1" lang="ja-JP" altLang="en-US"/>
+          </a:p>
+        </p:txBody>
+      </p:sp>
+      <p:sp>
+        <p:nvSpPr>
+          <p:cNvPr id="15" name="テキスト ボックス 14"/>
+          <p:cNvSpPr txBox="1"/>
+          <p:nvPr/>
+        </p:nvSpPr>
+        <p:spPr>
+          <a:xfrm>
+            <a:off x="2186078" y="2407555"/>
+            <a:ext cx="1901537" cy="523220"/>
+          </a:xfrm>
+          <a:prstGeom prst="rect">
+            <a:avLst/>
+          </a:prstGeom>
+          <a:noFill/>
+        </p:spPr>
+        <p:txBody>
+          <a:bodyPr wrap="square" rtlCol="0">
+            <a:spAutoFit/>
+          </a:bodyPr>
+          <a:lstStyle/>
+          <a:p>
+            <a:pPr algn="ctr"/>
+            <a:r>
+              <a:rPr kumimoji="1" lang="en-US" altLang="ja-JP" sz="2800" dirty="0" smtClean="0"/>
+              <a:t>attribute</a:t>
+            </a:r>
+            <a:endParaRPr kumimoji="1" lang="ja-JP" altLang="en-US" sz="2800" dirty="0" smtClean="0"/>
           </a:p>
         </p:txBody>
       </p:sp>
